--- a/Documents/Slide thuyết trình.pptx
+++ b/Documents/Slide thuyết trình.pptx
@@ -115,6 +115,11 @@
       </a:defRPr>
     </a:lvl9pPr>
   </p:defaultTextStyle>
+  <p:extLst>
+    <p:ext uri="{EFAFB233-063F-42B5-8137-9DF3F51BA10A}">
+      <p15:sldGuideLst xmlns:p15="http://schemas.microsoft.com/office/powerpoint/2012/main"/>
+    </p:ext>
+  </p:extLst>
 </p:presentation>
 </file>
 
@@ -293,7 +298,7 @@
           <a:p>
             <a:fld id="{DFCEB817-BC4A-4968-992C-11F510BF4E63}" type="datetimeFigureOut">
               <a:rPr lang="en-US" smtClean="0"/>
-              <a:t>6/18/2018</a:t>
+              <a:t>6/19/2018</a:t>
             </a:fld>
             <a:endParaRPr lang="en-US"/>
           </a:p>
@@ -605,7 +610,7 @@
           <a:p>
             <a:fld id="{DFCEB817-BC4A-4968-992C-11F510BF4E63}" type="datetimeFigureOut">
               <a:rPr lang="en-US" smtClean="0"/>
-              <a:t>6/18/2018</a:t>
+              <a:t>6/19/2018</a:t>
             </a:fld>
             <a:endParaRPr lang="en-US"/>
           </a:p>
@@ -827,7 +832,7 @@
           <a:p>
             <a:fld id="{DFCEB817-BC4A-4968-992C-11F510BF4E63}" type="datetimeFigureOut">
               <a:rPr lang="en-US" smtClean="0"/>
-              <a:t>6/18/2018</a:t>
+              <a:t>6/19/2018</a:t>
             </a:fld>
             <a:endParaRPr lang="en-US"/>
           </a:p>
@@ -1118,7 +1123,7 @@
           <a:p>
             <a:fld id="{DFCEB817-BC4A-4968-992C-11F510BF4E63}" type="datetimeFigureOut">
               <a:rPr lang="en-US" smtClean="0"/>
-              <a:t>6/18/2018</a:t>
+              <a:t>6/19/2018</a:t>
             </a:fld>
             <a:endParaRPr lang="en-US"/>
           </a:p>
@@ -1572,7 +1577,7 @@
           <a:p>
             <a:fld id="{DFCEB817-BC4A-4968-992C-11F510BF4E63}" type="datetimeFigureOut">
               <a:rPr lang="en-US" smtClean="0"/>
-              <a:t>6/18/2018</a:t>
+              <a:t>6/19/2018</a:t>
             </a:fld>
             <a:endParaRPr lang="en-US"/>
           </a:p>
@@ -2148,7 +2153,7 @@
           <a:p>
             <a:fld id="{DFCEB817-BC4A-4968-992C-11F510BF4E63}" type="datetimeFigureOut">
               <a:rPr lang="en-US" smtClean="0"/>
-              <a:t>6/18/2018</a:t>
+              <a:t>6/19/2018</a:t>
             </a:fld>
             <a:endParaRPr lang="en-US"/>
           </a:p>
@@ -3000,7 +3005,7 @@
           <a:p>
             <a:fld id="{DFCEB817-BC4A-4968-992C-11F510BF4E63}" type="datetimeFigureOut">
               <a:rPr lang="en-US" smtClean="0"/>
-              <a:t>6/18/2018</a:t>
+              <a:t>6/19/2018</a:t>
             </a:fld>
             <a:endParaRPr lang="en-US"/>
           </a:p>
@@ -3205,7 +3210,7 @@
           <a:p>
             <a:fld id="{DFCEB817-BC4A-4968-992C-11F510BF4E63}" type="datetimeFigureOut">
               <a:rPr lang="en-US" smtClean="0"/>
-              <a:t>6/18/2018</a:t>
+              <a:t>6/19/2018</a:t>
             </a:fld>
             <a:endParaRPr lang="en-US"/>
           </a:p>
@@ -3419,7 +3424,7 @@
           <a:p>
             <a:fld id="{DFCEB817-BC4A-4968-992C-11F510BF4E63}" type="datetimeFigureOut">
               <a:rPr lang="en-US" smtClean="0"/>
-              <a:t>6/18/2018</a:t>
+              <a:t>6/19/2018</a:t>
             </a:fld>
             <a:endParaRPr lang="en-US"/>
           </a:p>
@@ -3624,7 +3629,7 @@
           <a:p>
             <a:fld id="{DFCEB817-BC4A-4968-992C-11F510BF4E63}" type="datetimeFigureOut">
               <a:rPr lang="en-US" smtClean="0"/>
-              <a:t>6/18/2018</a:t>
+              <a:t>6/19/2018</a:t>
             </a:fld>
             <a:endParaRPr lang="en-US"/>
           </a:p>
@@ -3904,7 +3909,7 @@
           <a:p>
             <a:fld id="{DFCEB817-BC4A-4968-992C-11F510BF4E63}" type="datetimeFigureOut">
               <a:rPr lang="en-US" smtClean="0"/>
-              <a:t>6/18/2018</a:t>
+              <a:t>6/19/2018</a:t>
             </a:fld>
             <a:endParaRPr lang="en-US"/>
           </a:p>
@@ -4171,7 +4176,7 @@
           <a:p>
             <a:fld id="{DFCEB817-BC4A-4968-992C-11F510BF4E63}" type="datetimeFigureOut">
               <a:rPr lang="en-US" smtClean="0"/>
-              <a:t>6/18/2018</a:t>
+              <a:t>6/19/2018</a:t>
             </a:fld>
             <a:endParaRPr lang="en-US"/>
           </a:p>
@@ -4586,7 +4591,7 @@
           <a:p>
             <a:fld id="{DFCEB817-BC4A-4968-992C-11F510BF4E63}" type="datetimeFigureOut">
               <a:rPr lang="en-US" smtClean="0"/>
-              <a:t>6/18/2018</a:t>
+              <a:t>6/19/2018</a:t>
             </a:fld>
             <a:endParaRPr lang="en-US"/>
           </a:p>
@@ -4734,7 +4739,7 @@
           <a:p>
             <a:fld id="{DFCEB817-BC4A-4968-992C-11F510BF4E63}" type="datetimeFigureOut">
               <a:rPr lang="en-US" smtClean="0"/>
-              <a:t>6/18/2018</a:t>
+              <a:t>6/19/2018</a:t>
             </a:fld>
             <a:endParaRPr lang="en-US"/>
           </a:p>
@@ -4859,7 +4864,7 @@
           <a:p>
             <a:fld id="{DFCEB817-BC4A-4968-992C-11F510BF4E63}" type="datetimeFigureOut">
               <a:rPr lang="en-US" smtClean="0"/>
-              <a:t>6/18/2018</a:t>
+              <a:t>6/19/2018</a:t>
             </a:fld>
             <a:endParaRPr lang="en-US"/>
           </a:p>
@@ -5138,7 +5143,7 @@
           <a:p>
             <a:fld id="{DFCEB817-BC4A-4968-992C-11F510BF4E63}" type="datetimeFigureOut">
               <a:rPr lang="en-US" smtClean="0"/>
-              <a:t>6/18/2018</a:t>
+              <a:t>6/19/2018</a:t>
             </a:fld>
             <a:endParaRPr lang="en-US"/>
           </a:p>
@@ -5450,7 +5455,7 @@
           <a:p>
             <a:fld id="{DFCEB817-BC4A-4968-992C-11F510BF4E63}" type="datetimeFigureOut">
               <a:rPr lang="en-US" smtClean="0"/>
-              <a:t>6/18/2018</a:t>
+              <a:t>6/19/2018</a:t>
             </a:fld>
             <a:endParaRPr lang="en-US"/>
           </a:p>
@@ -5703,7 +5708,7 @@
           <a:p>
             <a:fld id="{DFCEB817-BC4A-4968-992C-11F510BF4E63}" type="datetimeFigureOut">
               <a:rPr lang="en-US" smtClean="0"/>
-              <a:t>6/18/2018</a:t>
+              <a:t>6/19/2018</a:t>
             </a:fld>
             <a:endParaRPr lang="en-US"/>
           </a:p>
@@ -6397,8 +6402,8 @@
         </p:nvSpPr>
         <p:spPr>
           <a:xfrm>
-            <a:off x="5200650" y="5015792"/>
-            <a:ext cx="8583930" cy="1477328"/>
+            <a:off x="5618871" y="4934317"/>
+            <a:ext cx="6782679" cy="1477328"/>
           </a:xfrm>
           <a:prstGeom prst="rect">
             <a:avLst/>
@@ -6581,13 +6586,13 @@
             </a:r>
             <a:r>
               <a:rPr lang="en-US" b="1" dirty="0"/>
-              <a:t> 16521250</a:t>
+              <a:t> 	16521250</a:t>
             </a:r>
           </a:p>
           <a:p>
             <a:r>
               <a:rPr lang="en-US" b="1" dirty="0"/>
-              <a:t>		</a:t>
+              <a:t>		 </a:t>
             </a:r>
             <a:r>
               <a:rPr lang="en-US" b="1" dirty="0" err="1"/>
@@ -6595,7 +6600,7 @@
             </a:r>
             <a:r>
               <a:rPr lang="en-US" b="1" dirty="0"/>
-              <a:t>: IT008.I21			</a:t>
+              <a:t>: IT008.I21		</a:t>
             </a:r>
             <a:r>
               <a:rPr lang="en-US" b="1" dirty="0" err="1"/>
@@ -6603,849 +6608,9 @@
             </a:r>
             <a:r>
               <a:rPr lang="en-US" b="1" dirty="0"/>
-              <a:t> Lan Chat</a:t>
+              <a:t>: Lan Chat</a:t>
             </a:r>
             <a:endParaRPr lang="en-US" dirty="0"/>
-          </a:p>
-        </p:txBody>
-      </p:sp>
-      <p:sp>
-        <p:nvSpPr>
-          <p:cNvPr id="23" name="Rectangle 19">
-            <a:extLst>
-              <a:ext uri="{FF2B5EF4-FFF2-40B4-BE49-F238E27FC236}">
-                <a16:creationId xmlns:a16="http://schemas.microsoft.com/office/drawing/2014/main" id="{EF5252BA-0AF5-4FA0-B55C-89B37798B498}"/>
-              </a:ext>
-            </a:extLst>
-          </p:cNvPr>
-          <p:cNvSpPr>
-            <a:spLocks noChangeArrowheads="1"/>
-          </p:cNvSpPr>
-          <p:nvPr/>
-        </p:nvSpPr>
-        <p:spPr bwMode="auto">
-          <a:xfrm>
-            <a:off x="0" y="0"/>
-            <a:ext cx="12192000" cy="457200"/>
-          </a:xfrm>
-          <a:prstGeom prst="rect">
-            <a:avLst/>
-          </a:prstGeom>
-          <a:noFill/>
-          <a:ln>
-            <a:noFill/>
-          </a:ln>
-          <a:effectLst/>
-          <a:extLst>
-            <a:ext uri="{909E8E84-426E-40DD-AFC4-6F175D3DCCD1}">
-              <a14:hiddenFill xmlns:a14="http://schemas.microsoft.com/office/drawing/2010/main">
-                <a:solidFill>
-                  <a:schemeClr val="accent1"/>
-                </a:solidFill>
-              </a14:hiddenFill>
-            </a:ext>
-            <a:ext uri="{91240B29-F687-4F45-9708-019B960494DF}">
-              <a14:hiddenLine xmlns:a14="http://schemas.microsoft.com/office/drawing/2010/main" w="9525">
-                <a:solidFill>
-                  <a:schemeClr val="tx1"/>
-                </a:solidFill>
-                <a:miter lim="800000"/>
-                <a:headEnd/>
-                <a:tailEnd/>
-              </a14:hiddenLine>
-            </a:ext>
-            <a:ext uri="{AF507438-7753-43E0-B8FC-AC1667EBCBE1}">
-              <a14:hiddenEffects xmlns:a14="http://schemas.microsoft.com/office/drawing/2010/main">
-                <a:effectLst>
-                  <a:outerShdw dist="35921" dir="2700000" algn="ctr" rotWithShape="0">
-                    <a:schemeClr val="bg2"/>
-                  </a:outerShdw>
-                </a:effectLst>
-              </a14:hiddenEffects>
-            </a:ext>
-          </a:extLst>
-        </p:spPr>
-        <p:txBody>
-          <a:bodyPr vert="horz" wrap="none" lIns="91440" tIns="45720" rIns="91440" bIns="45720" numCol="1" anchor="ctr" anchorCtr="0" compatLnSpc="1">
-            <a:prstTxWarp prst="textNoShape">
-              <a:avLst/>
-            </a:prstTxWarp>
-            <a:spAutoFit/>
-          </a:bodyPr>
-          <a:lstStyle>
-            <a:lvl1pPr indent="2430463" eaLnBrk="0" fontAlgn="base" hangingPunct="0">
-              <a:spcBef>
-                <a:spcPct val="0"/>
-              </a:spcBef>
-              <a:spcAft>
-                <a:spcPct val="0"/>
-              </a:spcAft>
-              <a:tabLst>
-                <a:tab pos="2451100" algn="l"/>
-              </a:tabLst>
-              <a:defRPr>
-                <a:solidFill>
-                  <a:schemeClr val="tx1"/>
-                </a:solidFill>
-                <a:latin typeface="Arial" panose="020B0604020202020204" pitchFamily="34" charset="0"/>
-              </a:defRPr>
-            </a:lvl1pPr>
-            <a:lvl2pPr eaLnBrk="0" fontAlgn="base" hangingPunct="0">
-              <a:spcBef>
-                <a:spcPct val="0"/>
-              </a:spcBef>
-              <a:spcAft>
-                <a:spcPct val="0"/>
-              </a:spcAft>
-              <a:tabLst>
-                <a:tab pos="2451100" algn="l"/>
-              </a:tabLst>
-              <a:defRPr>
-                <a:solidFill>
-                  <a:schemeClr val="tx1"/>
-                </a:solidFill>
-                <a:latin typeface="Arial" panose="020B0604020202020204" pitchFamily="34" charset="0"/>
-              </a:defRPr>
-            </a:lvl2pPr>
-            <a:lvl3pPr eaLnBrk="0" fontAlgn="base" hangingPunct="0">
-              <a:spcBef>
-                <a:spcPct val="0"/>
-              </a:spcBef>
-              <a:spcAft>
-                <a:spcPct val="0"/>
-              </a:spcAft>
-              <a:tabLst>
-                <a:tab pos="2451100" algn="l"/>
-              </a:tabLst>
-              <a:defRPr>
-                <a:solidFill>
-                  <a:schemeClr val="tx1"/>
-                </a:solidFill>
-                <a:latin typeface="Arial" panose="020B0604020202020204" pitchFamily="34" charset="0"/>
-              </a:defRPr>
-            </a:lvl3pPr>
-            <a:lvl4pPr eaLnBrk="0" fontAlgn="base" hangingPunct="0">
-              <a:spcBef>
-                <a:spcPct val="0"/>
-              </a:spcBef>
-              <a:spcAft>
-                <a:spcPct val="0"/>
-              </a:spcAft>
-              <a:tabLst>
-                <a:tab pos="2451100" algn="l"/>
-              </a:tabLst>
-              <a:defRPr>
-                <a:solidFill>
-                  <a:schemeClr val="tx1"/>
-                </a:solidFill>
-                <a:latin typeface="Arial" panose="020B0604020202020204" pitchFamily="34" charset="0"/>
-              </a:defRPr>
-            </a:lvl4pPr>
-            <a:lvl5pPr eaLnBrk="0" fontAlgn="base" hangingPunct="0">
-              <a:spcBef>
-                <a:spcPct val="0"/>
-              </a:spcBef>
-              <a:spcAft>
-                <a:spcPct val="0"/>
-              </a:spcAft>
-              <a:tabLst>
-                <a:tab pos="2451100" algn="l"/>
-              </a:tabLst>
-              <a:defRPr>
-                <a:solidFill>
-                  <a:schemeClr val="tx1"/>
-                </a:solidFill>
-                <a:latin typeface="Arial" panose="020B0604020202020204" pitchFamily="34" charset="0"/>
-              </a:defRPr>
-            </a:lvl5pPr>
-            <a:lvl6pPr eaLnBrk="0" fontAlgn="base" hangingPunct="0">
-              <a:spcBef>
-                <a:spcPct val="0"/>
-              </a:spcBef>
-              <a:spcAft>
-                <a:spcPct val="0"/>
-              </a:spcAft>
-              <a:tabLst>
-                <a:tab pos="2451100" algn="l"/>
-              </a:tabLst>
-              <a:defRPr>
-                <a:solidFill>
-                  <a:schemeClr val="tx1"/>
-                </a:solidFill>
-                <a:latin typeface="Arial" panose="020B0604020202020204" pitchFamily="34" charset="0"/>
-              </a:defRPr>
-            </a:lvl6pPr>
-            <a:lvl7pPr eaLnBrk="0" fontAlgn="base" hangingPunct="0">
-              <a:spcBef>
-                <a:spcPct val="0"/>
-              </a:spcBef>
-              <a:spcAft>
-                <a:spcPct val="0"/>
-              </a:spcAft>
-              <a:tabLst>
-                <a:tab pos="2451100" algn="l"/>
-              </a:tabLst>
-              <a:defRPr>
-                <a:solidFill>
-                  <a:schemeClr val="tx1"/>
-                </a:solidFill>
-                <a:latin typeface="Arial" panose="020B0604020202020204" pitchFamily="34" charset="0"/>
-              </a:defRPr>
-            </a:lvl7pPr>
-            <a:lvl8pPr eaLnBrk="0" fontAlgn="base" hangingPunct="0">
-              <a:spcBef>
-                <a:spcPct val="0"/>
-              </a:spcBef>
-              <a:spcAft>
-                <a:spcPct val="0"/>
-              </a:spcAft>
-              <a:tabLst>
-                <a:tab pos="2451100" algn="l"/>
-              </a:tabLst>
-              <a:defRPr>
-                <a:solidFill>
-                  <a:schemeClr val="tx1"/>
-                </a:solidFill>
-                <a:latin typeface="Arial" panose="020B0604020202020204" pitchFamily="34" charset="0"/>
-              </a:defRPr>
-            </a:lvl8pPr>
-            <a:lvl9pPr eaLnBrk="0" fontAlgn="base" hangingPunct="0">
-              <a:spcBef>
-                <a:spcPct val="0"/>
-              </a:spcBef>
-              <a:spcAft>
-                <a:spcPct val="0"/>
-              </a:spcAft>
-              <a:tabLst>
-                <a:tab pos="2451100" algn="l"/>
-              </a:tabLst>
-              <a:defRPr>
-                <a:solidFill>
-                  <a:schemeClr val="tx1"/>
-                </a:solidFill>
-                <a:latin typeface="Arial" panose="020B0604020202020204" pitchFamily="34" charset="0"/>
-              </a:defRPr>
-            </a:lvl9pPr>
-          </a:lstStyle>
-          <a:p>
-            <a:pPr marL="0" marR="0" lvl="0" indent="2430463" algn="l" defTabSz="914400" rtl="0" eaLnBrk="0" fontAlgn="base" latinLnBrk="0" hangingPunct="0">
-              <a:lnSpc>
-                <a:spcPct val="100000"/>
-              </a:lnSpc>
-              <a:spcBef>
-                <a:spcPct val="0"/>
-              </a:spcBef>
-              <a:spcAft>
-                <a:spcPct val="0"/>
-              </a:spcAft>
-              <a:buClrTx/>
-              <a:buSzTx/>
-              <a:buFontTx/>
-              <a:buNone/>
-              <a:tabLst>
-                <a:tab pos="2451100" algn="l"/>
-              </a:tabLst>
-            </a:pPr>
-            <a:r>
-              <a:rPr kumimoji="0" lang="en-US" altLang="en-US" sz="1300" b="1" i="0" u="none" strike="noStrike" cap="none" normalizeH="0" baseline="0">
-                <a:ln>
-                  <a:noFill/>
-                </a:ln>
-                <a:solidFill>
-                  <a:schemeClr val="tx1"/>
-                </a:solidFill>
-                <a:effectLst/>
-                <a:latin typeface="Times New Roman" panose="02020603050405020304" pitchFamily="18" charset="0"/>
-                <a:ea typeface="Calibri" panose="020F0502020204030204" pitchFamily="34" charset="0"/>
-                <a:cs typeface="Times New Roman" panose="02020603050405020304" pitchFamily="18" charset="0"/>
-              </a:rPr>
-              <a:t>          Giảng viên Lý thuyết:  Huỳnh Tuấn Anh</a:t>
-            </a:r>
-            <a:endParaRPr kumimoji="0" lang="en-US" altLang="en-US" sz="1100" b="0" i="0" u="none" strike="noStrike" cap="none" normalizeH="0" baseline="0">
-              <a:ln>
-                <a:noFill/>
-              </a:ln>
-              <a:solidFill>
-                <a:schemeClr val="tx1"/>
-              </a:solidFill>
-              <a:effectLst/>
-            </a:endParaRPr>
-          </a:p>
-          <a:p>
-            <a:pPr marL="0" marR="0" lvl="0" indent="2430463" algn="l" defTabSz="914400" rtl="0" eaLnBrk="0" fontAlgn="base" latinLnBrk="0" hangingPunct="0">
-              <a:lnSpc>
-                <a:spcPct val="100000"/>
-              </a:lnSpc>
-              <a:spcBef>
-                <a:spcPct val="0"/>
-              </a:spcBef>
-              <a:spcAft>
-                <a:spcPct val="0"/>
-              </a:spcAft>
-              <a:buClrTx/>
-              <a:buSzTx/>
-              <a:buFontTx/>
-              <a:buNone/>
-              <a:tabLst>
-                <a:tab pos="2451100" algn="l"/>
-              </a:tabLst>
-            </a:pPr>
-            <a:r>
-              <a:rPr kumimoji="0" lang="en-US" altLang="en-US" sz="1300" b="1" i="0" u="none" strike="noStrike" cap="none" normalizeH="0" baseline="0">
-                <a:ln>
-                  <a:noFill/>
-                </a:ln>
-                <a:solidFill>
-                  <a:schemeClr val="tx1"/>
-                </a:solidFill>
-                <a:effectLst/>
-                <a:latin typeface="Times New Roman" panose="02020603050405020304" pitchFamily="18" charset="0"/>
-                <a:ea typeface="Calibri" panose="020F0502020204030204" pitchFamily="34" charset="0"/>
-                <a:cs typeface="Times New Roman" panose="02020603050405020304" pitchFamily="18" charset="0"/>
-              </a:rPr>
-              <a:t>           Sinh viên thực hiện:</a:t>
-            </a:r>
-            <a:r>
-              <a:rPr kumimoji="0" lang="en-US" altLang="en-US" sz="1300" b="0" i="0" u="none" strike="noStrike" cap="none" normalizeH="0" baseline="0">
-                <a:ln>
-                  <a:noFill/>
-                </a:ln>
-                <a:solidFill>
-                  <a:schemeClr val="tx1"/>
-                </a:solidFill>
-                <a:effectLst/>
-                <a:latin typeface="Times New Roman" panose="02020603050405020304" pitchFamily="18" charset="0"/>
-                <a:ea typeface="Calibri" panose="020F0502020204030204" pitchFamily="34" charset="0"/>
-                <a:cs typeface="Times New Roman" panose="02020603050405020304" pitchFamily="18" charset="0"/>
-              </a:rPr>
-              <a:t>   </a:t>
-            </a:r>
-            <a:r>
-              <a:rPr kumimoji="0" lang="en-US" altLang="en-US" sz="1300" b="1" i="0" u="none" strike="noStrike" cap="none" normalizeH="0" baseline="0">
-                <a:ln>
-                  <a:noFill/>
-                </a:ln>
-                <a:solidFill>
-                  <a:schemeClr val="tx1"/>
-                </a:solidFill>
-                <a:effectLst/>
-                <a:latin typeface="Times New Roman" panose="02020603050405020304" pitchFamily="18" charset="0"/>
-                <a:ea typeface="Calibri" panose="020F0502020204030204" pitchFamily="34" charset="0"/>
-                <a:cs typeface="Times New Roman" panose="02020603050405020304" pitchFamily="18" charset="0"/>
-              </a:rPr>
-              <a:t>Nguyễn Bảo Duy	14520219</a:t>
-            </a:r>
-            <a:endParaRPr kumimoji="0" lang="en-US" altLang="en-US" sz="1100" b="0" i="0" u="none" strike="noStrike" cap="none" normalizeH="0" baseline="0">
-              <a:ln>
-                <a:noFill/>
-              </a:ln>
-              <a:solidFill>
-                <a:schemeClr val="tx1"/>
-              </a:solidFill>
-              <a:effectLst/>
-            </a:endParaRPr>
-          </a:p>
-          <a:p>
-            <a:pPr marL="0" marR="0" lvl="0" indent="2430463" algn="l" defTabSz="914400" rtl="0" eaLnBrk="0" fontAlgn="base" latinLnBrk="0" hangingPunct="0">
-              <a:lnSpc>
-                <a:spcPct val="100000"/>
-              </a:lnSpc>
-              <a:spcBef>
-                <a:spcPct val="0"/>
-              </a:spcBef>
-              <a:spcAft>
-                <a:spcPct val="0"/>
-              </a:spcAft>
-              <a:buClrTx/>
-              <a:buSzTx/>
-              <a:buFontTx/>
-              <a:buNone/>
-              <a:tabLst>
-                <a:tab pos="2451100" algn="l"/>
-              </a:tabLst>
-            </a:pPr>
-            <a:r>
-              <a:rPr kumimoji="0" lang="en-US" altLang="en-US" sz="1300" b="1" i="0" u="none" strike="noStrike" cap="none" normalizeH="0" baseline="0">
-                <a:ln>
-                  <a:noFill/>
-                </a:ln>
-                <a:solidFill>
-                  <a:schemeClr val="tx1"/>
-                </a:solidFill>
-                <a:effectLst/>
-                <a:latin typeface="Times New Roman" panose="02020603050405020304" pitchFamily="18" charset="0"/>
-                <a:ea typeface="Calibri" panose="020F0502020204030204" pitchFamily="34" charset="0"/>
-                <a:cs typeface="Times New Roman" panose="02020603050405020304" pitchFamily="18" charset="0"/>
-              </a:rPr>
-              <a:t>   Ho</a:t>
-            </a:r>
-            <a:r>
-              <a:rPr kumimoji="0" lang="en-US" altLang="en-US" sz="1300" b="1" i="0" u="none" strike="noStrike" cap="none" normalizeH="0" baseline="0">
-                <a:ln>
-                  <a:noFill/>
-                </a:ln>
-                <a:solidFill>
-                  <a:schemeClr val="tx1"/>
-                </a:solidFill>
-                <a:effectLst/>
-                <a:latin typeface="Calibri" panose="020F0502020204030204" pitchFamily="34" charset="0"/>
-                <a:ea typeface="Calibri" panose="020F0502020204030204" pitchFamily="34" charset="0"/>
-                <a:cs typeface="Times New Roman" panose="02020603050405020304" pitchFamily="18" charset="0"/>
-              </a:rPr>
-              <a:t>à</a:t>
-            </a:r>
-            <a:r>
-              <a:rPr kumimoji="0" lang="en-US" altLang="en-US" sz="1300" b="1" i="0" u="none" strike="noStrike" cap="none" normalizeH="0" baseline="0">
-                <a:ln>
-                  <a:noFill/>
-                </a:ln>
-                <a:solidFill>
-                  <a:schemeClr val="tx1"/>
-                </a:solidFill>
-                <a:effectLst/>
-                <a:latin typeface="Times New Roman" panose="02020603050405020304" pitchFamily="18" charset="0"/>
-                <a:ea typeface="Calibri" panose="020F0502020204030204" pitchFamily="34" charset="0"/>
-                <a:cs typeface="Times New Roman" panose="02020603050405020304" pitchFamily="18" charset="0"/>
-              </a:rPr>
-              <a:t>ng Th</a:t>
-            </a:r>
-            <a:r>
-              <a:rPr kumimoji="0" lang="en-US" altLang="en-US" sz="1300" b="1" i="0" u="none" strike="noStrike" cap="none" normalizeH="0" baseline="0">
-                <a:ln>
-                  <a:noFill/>
-                </a:ln>
-                <a:solidFill>
-                  <a:schemeClr val="tx1"/>
-                </a:solidFill>
-                <a:effectLst/>
-                <a:latin typeface="Calibri" panose="020F0502020204030204" pitchFamily="34" charset="0"/>
-                <a:ea typeface="Calibri" panose="020F0502020204030204" pitchFamily="34" charset="0"/>
-                <a:cs typeface="Times New Roman" panose="02020603050405020304" pitchFamily="18" charset="0"/>
-              </a:rPr>
-              <a:t>ù</a:t>
-            </a:r>
-            <a:r>
-              <a:rPr kumimoji="0" lang="en-US" altLang="en-US" sz="1300" b="1" i="0" u="none" strike="noStrike" cap="none" normalizeH="0" baseline="0">
-                <a:ln>
-                  <a:noFill/>
-                </a:ln>
-                <a:solidFill>
-                  <a:schemeClr val="tx1"/>
-                </a:solidFill>
-                <a:effectLst/>
-                <a:latin typeface="Times New Roman" panose="02020603050405020304" pitchFamily="18" charset="0"/>
-                <a:ea typeface="Calibri" panose="020F0502020204030204" pitchFamily="34" charset="0"/>
-                <a:cs typeface="Times New Roman" panose="02020603050405020304" pitchFamily="18" charset="0"/>
-              </a:rPr>
-              <a:t>y Trang	16521277</a:t>
-            </a:r>
-            <a:endParaRPr kumimoji="0" lang="en-US" altLang="en-US" sz="1100" b="0" i="0" u="none" strike="noStrike" cap="none" normalizeH="0" baseline="0">
-              <a:ln>
-                <a:noFill/>
-              </a:ln>
-              <a:solidFill>
-                <a:schemeClr val="tx1"/>
-              </a:solidFill>
-              <a:effectLst/>
-            </a:endParaRPr>
-          </a:p>
-          <a:p>
-            <a:pPr marL="0" marR="0" lvl="0" indent="2430463" algn="l" defTabSz="914400" rtl="0" eaLnBrk="0" fontAlgn="base" latinLnBrk="0" hangingPunct="0">
-              <a:lnSpc>
-                <a:spcPct val="100000"/>
-              </a:lnSpc>
-              <a:spcBef>
-                <a:spcPct val="0"/>
-              </a:spcBef>
-              <a:spcAft>
-                <a:spcPct val="0"/>
-              </a:spcAft>
-              <a:buClrTx/>
-              <a:buSzTx/>
-              <a:buFontTx/>
-              <a:buNone/>
-              <a:tabLst>
-                <a:tab pos="2451100" algn="l"/>
-              </a:tabLst>
-            </a:pPr>
-            <a:endParaRPr kumimoji="0" lang="en-US" altLang="en-US" sz="1800" b="0" i="0" u="none" strike="noStrike" cap="none" normalizeH="0" baseline="0">
-              <a:ln>
-                <a:noFill/>
-              </a:ln>
-              <a:solidFill>
-                <a:schemeClr val="tx1"/>
-              </a:solidFill>
-              <a:effectLst/>
-              <a:latin typeface="Arial" panose="020B0604020202020204" pitchFamily="34" charset="0"/>
-            </a:endParaRPr>
-          </a:p>
-        </p:txBody>
-      </p:sp>
-      <p:sp>
-        <p:nvSpPr>
-          <p:cNvPr id="24" name="Rectangle 20">
-            <a:extLst>
-              <a:ext uri="{FF2B5EF4-FFF2-40B4-BE49-F238E27FC236}">
-                <a16:creationId xmlns:a16="http://schemas.microsoft.com/office/drawing/2014/main" id="{87ED0664-B6BC-40B4-BF93-23C0B189EAC2}"/>
-              </a:ext>
-            </a:extLst>
-          </p:cNvPr>
-          <p:cNvSpPr>
-            <a:spLocks noChangeArrowheads="1"/>
-          </p:cNvSpPr>
-          <p:nvPr/>
-        </p:nvSpPr>
-        <p:spPr bwMode="auto">
-          <a:xfrm>
-            <a:off x="0" y="457200"/>
-            <a:ext cx="12192000" cy="457200"/>
-          </a:xfrm>
-          <a:prstGeom prst="rect">
-            <a:avLst/>
-          </a:prstGeom>
-          <a:noFill/>
-          <a:ln>
-            <a:noFill/>
-          </a:ln>
-          <a:effectLst/>
-          <a:extLst>
-            <a:ext uri="{909E8E84-426E-40DD-AFC4-6F175D3DCCD1}">
-              <a14:hiddenFill xmlns:a14="http://schemas.microsoft.com/office/drawing/2010/main">
-                <a:solidFill>
-                  <a:schemeClr val="accent1"/>
-                </a:solidFill>
-              </a14:hiddenFill>
-            </a:ext>
-            <a:ext uri="{91240B29-F687-4F45-9708-019B960494DF}">
-              <a14:hiddenLine xmlns:a14="http://schemas.microsoft.com/office/drawing/2010/main" w="9525">
-                <a:solidFill>
-                  <a:schemeClr val="tx1"/>
-                </a:solidFill>
-                <a:miter lim="800000"/>
-                <a:headEnd/>
-                <a:tailEnd/>
-              </a14:hiddenLine>
-            </a:ext>
-            <a:ext uri="{AF507438-7753-43E0-B8FC-AC1667EBCBE1}">
-              <a14:hiddenEffects xmlns:a14="http://schemas.microsoft.com/office/drawing/2010/main">
-                <a:effectLst>
-                  <a:outerShdw dist="35921" dir="2700000" algn="ctr" rotWithShape="0">
-                    <a:schemeClr val="bg2"/>
-                  </a:outerShdw>
-                </a:effectLst>
-              </a14:hiddenEffects>
-            </a:ext>
-          </a:extLst>
-        </p:spPr>
-        <p:txBody>
-          <a:bodyPr vert="horz" wrap="none" lIns="91440" tIns="45720" rIns="91440" bIns="45720" numCol="1" anchor="ctr" anchorCtr="0" compatLnSpc="1">
-            <a:prstTxWarp prst="textNoShape">
-              <a:avLst/>
-            </a:prstTxWarp>
-            <a:spAutoFit/>
-          </a:bodyPr>
-          <a:lstStyle>
-            <a:lvl1pPr indent="457200" eaLnBrk="0" fontAlgn="base" hangingPunct="0">
-              <a:spcBef>
-                <a:spcPct val="0"/>
-              </a:spcBef>
-              <a:spcAft>
-                <a:spcPct val="0"/>
-              </a:spcAft>
-              <a:defRPr>
-                <a:solidFill>
-                  <a:schemeClr val="tx1"/>
-                </a:solidFill>
-                <a:latin typeface="Arial" panose="020B0604020202020204" pitchFamily="34" charset="0"/>
-              </a:defRPr>
-            </a:lvl1pPr>
-            <a:lvl2pPr eaLnBrk="0" fontAlgn="base" hangingPunct="0">
-              <a:spcBef>
-                <a:spcPct val="0"/>
-              </a:spcBef>
-              <a:spcAft>
-                <a:spcPct val="0"/>
-              </a:spcAft>
-              <a:defRPr>
-                <a:solidFill>
-                  <a:schemeClr val="tx1"/>
-                </a:solidFill>
-                <a:latin typeface="Arial" panose="020B0604020202020204" pitchFamily="34" charset="0"/>
-              </a:defRPr>
-            </a:lvl2pPr>
-            <a:lvl3pPr eaLnBrk="0" fontAlgn="base" hangingPunct="0">
-              <a:spcBef>
-                <a:spcPct val="0"/>
-              </a:spcBef>
-              <a:spcAft>
-                <a:spcPct val="0"/>
-              </a:spcAft>
-              <a:defRPr>
-                <a:solidFill>
-                  <a:schemeClr val="tx1"/>
-                </a:solidFill>
-                <a:latin typeface="Arial" panose="020B0604020202020204" pitchFamily="34" charset="0"/>
-              </a:defRPr>
-            </a:lvl3pPr>
-            <a:lvl4pPr eaLnBrk="0" fontAlgn="base" hangingPunct="0">
-              <a:spcBef>
-                <a:spcPct val="0"/>
-              </a:spcBef>
-              <a:spcAft>
-                <a:spcPct val="0"/>
-              </a:spcAft>
-              <a:defRPr>
-                <a:solidFill>
-                  <a:schemeClr val="tx1"/>
-                </a:solidFill>
-                <a:latin typeface="Arial" panose="020B0604020202020204" pitchFamily="34" charset="0"/>
-              </a:defRPr>
-            </a:lvl4pPr>
-            <a:lvl5pPr eaLnBrk="0" fontAlgn="base" hangingPunct="0">
-              <a:spcBef>
-                <a:spcPct val="0"/>
-              </a:spcBef>
-              <a:spcAft>
-                <a:spcPct val="0"/>
-              </a:spcAft>
-              <a:defRPr>
-                <a:solidFill>
-                  <a:schemeClr val="tx1"/>
-                </a:solidFill>
-                <a:latin typeface="Arial" panose="020B0604020202020204" pitchFamily="34" charset="0"/>
-              </a:defRPr>
-            </a:lvl5pPr>
-            <a:lvl6pPr eaLnBrk="0" fontAlgn="base" hangingPunct="0">
-              <a:spcBef>
-                <a:spcPct val="0"/>
-              </a:spcBef>
-              <a:spcAft>
-                <a:spcPct val="0"/>
-              </a:spcAft>
-              <a:defRPr>
-                <a:solidFill>
-                  <a:schemeClr val="tx1"/>
-                </a:solidFill>
-                <a:latin typeface="Arial" panose="020B0604020202020204" pitchFamily="34" charset="0"/>
-              </a:defRPr>
-            </a:lvl6pPr>
-            <a:lvl7pPr eaLnBrk="0" fontAlgn="base" hangingPunct="0">
-              <a:spcBef>
-                <a:spcPct val="0"/>
-              </a:spcBef>
-              <a:spcAft>
-                <a:spcPct val="0"/>
-              </a:spcAft>
-              <a:defRPr>
-                <a:solidFill>
-                  <a:schemeClr val="tx1"/>
-                </a:solidFill>
-                <a:latin typeface="Arial" panose="020B0604020202020204" pitchFamily="34" charset="0"/>
-              </a:defRPr>
-            </a:lvl7pPr>
-            <a:lvl8pPr eaLnBrk="0" fontAlgn="base" hangingPunct="0">
-              <a:spcBef>
-                <a:spcPct val="0"/>
-              </a:spcBef>
-              <a:spcAft>
-                <a:spcPct val="0"/>
-              </a:spcAft>
-              <a:defRPr>
-                <a:solidFill>
-                  <a:schemeClr val="tx1"/>
-                </a:solidFill>
-                <a:latin typeface="Arial" panose="020B0604020202020204" pitchFamily="34" charset="0"/>
-              </a:defRPr>
-            </a:lvl8pPr>
-            <a:lvl9pPr eaLnBrk="0" fontAlgn="base" hangingPunct="0">
-              <a:spcBef>
-                <a:spcPct val="0"/>
-              </a:spcBef>
-              <a:spcAft>
-                <a:spcPct val="0"/>
-              </a:spcAft>
-              <a:defRPr>
-                <a:solidFill>
-                  <a:schemeClr val="tx1"/>
-                </a:solidFill>
-                <a:latin typeface="Arial" panose="020B0604020202020204" pitchFamily="34" charset="0"/>
-              </a:defRPr>
-            </a:lvl9pPr>
-          </a:lstStyle>
-          <a:p>
-            <a:pPr marL="0" marR="0" lvl="0" indent="2430463" algn="just" defTabSz="914400" rtl="0" eaLnBrk="0" fontAlgn="base" latinLnBrk="0" hangingPunct="0">
-              <a:lnSpc>
-                <a:spcPct val="100000"/>
-              </a:lnSpc>
-              <a:spcBef>
-                <a:spcPct val="0"/>
-              </a:spcBef>
-              <a:spcAft>
-                <a:spcPct val="0"/>
-              </a:spcAft>
-              <a:buClrTx/>
-              <a:buSzTx/>
-              <a:buFontTx/>
-              <a:buNone/>
-              <a:tabLst/>
-            </a:pPr>
-            <a:r>
-              <a:rPr kumimoji="0" lang="en-US" altLang="en-US" sz="1300" b="1" i="0" u="none" strike="noStrike" cap="none" normalizeH="0" baseline="0">
-                <a:ln>
-                  <a:noFill/>
-                </a:ln>
-                <a:solidFill>
-                  <a:schemeClr val="tx1"/>
-                </a:solidFill>
-                <a:effectLst/>
-                <a:latin typeface="Times New Roman" panose="02020603050405020304" pitchFamily="18" charset="0"/>
-                <a:ea typeface="Calibri" panose="020F0502020204030204" pitchFamily="34" charset="0"/>
-                <a:cs typeface="Times New Roman" panose="02020603050405020304" pitchFamily="18" charset="0"/>
-              </a:rPr>
-              <a:t>   Trần Thị Thu T</a:t>
-            </a:r>
-            <a:r>
-              <a:rPr kumimoji="0" lang="en-US" altLang="en-US" sz="1300" b="1" i="0" u="none" strike="noStrike" cap="none" normalizeH="0" baseline="0">
-                <a:ln>
-                  <a:noFill/>
-                </a:ln>
-                <a:solidFill>
-                  <a:schemeClr val="tx1"/>
-                </a:solidFill>
-                <a:effectLst/>
-                <a:latin typeface="Calibri" panose="020F0502020204030204" pitchFamily="34" charset="0"/>
-                <a:ea typeface="Calibri" panose="020F0502020204030204" pitchFamily="34" charset="0"/>
-                <a:cs typeface="Times New Roman" panose="02020603050405020304" pitchFamily="18" charset="0"/>
-              </a:rPr>
-              <a:t>ì</a:t>
-            </a:r>
-            <a:r>
-              <a:rPr kumimoji="0" lang="en-US" altLang="en-US" sz="1300" b="1" i="0" u="none" strike="noStrike" cap="none" normalizeH="0" baseline="0">
-                <a:ln>
-                  <a:noFill/>
-                </a:ln>
-                <a:solidFill>
-                  <a:schemeClr val="tx1"/>
-                </a:solidFill>
-                <a:effectLst/>
-                <a:latin typeface="Times New Roman" panose="02020603050405020304" pitchFamily="18" charset="0"/>
-                <a:ea typeface="Calibri" panose="020F0502020204030204" pitchFamily="34" charset="0"/>
-                <a:cs typeface="Times New Roman" panose="02020603050405020304" pitchFamily="18" charset="0"/>
-              </a:rPr>
-              <a:t>nh	16521250</a:t>
-            </a:r>
-            <a:endParaRPr kumimoji="0" lang="en-US" altLang="en-US" sz="1100" b="0" i="0" u="none" strike="noStrike" cap="none" normalizeH="0" baseline="0">
-              <a:ln>
-                <a:noFill/>
-              </a:ln>
-              <a:solidFill>
-                <a:schemeClr val="tx1"/>
-              </a:solidFill>
-              <a:effectLst/>
-            </a:endParaRPr>
-          </a:p>
-          <a:p>
-            <a:pPr marL="0" marR="0" lvl="0" indent="457200" algn="just" defTabSz="914400" rtl="0" eaLnBrk="0" fontAlgn="base" latinLnBrk="0" hangingPunct="0">
-              <a:lnSpc>
-                <a:spcPct val="100000"/>
-              </a:lnSpc>
-              <a:spcBef>
-                <a:spcPct val="0"/>
-              </a:spcBef>
-              <a:spcAft>
-                <a:spcPct val="0"/>
-              </a:spcAft>
-              <a:buClrTx/>
-              <a:buSzTx/>
-              <a:buFontTx/>
-              <a:buNone/>
-              <a:tabLst/>
-            </a:pPr>
-            <a:r>
-              <a:rPr kumimoji="0" lang="en-US" altLang="en-US" sz="1300" b="1" i="0" u="none" strike="noStrike" cap="none" normalizeH="0" baseline="0">
-                <a:ln>
-                  <a:noFill/>
-                </a:ln>
-                <a:solidFill>
-                  <a:schemeClr val="tx1"/>
-                </a:solidFill>
-                <a:effectLst/>
-                <a:latin typeface="Times New Roman" panose="02020603050405020304" pitchFamily="18" charset="0"/>
-                <a:ea typeface="Calibri" panose="020F0502020204030204" pitchFamily="34" charset="0"/>
-                <a:cs typeface="Times New Roman" panose="02020603050405020304" pitchFamily="18" charset="0"/>
-              </a:rPr>
-              <a:t>   Lớp: </a:t>
-            </a:r>
-            <a:r>
-              <a:rPr kumimoji="0" lang="en-US" altLang="en-US" sz="1300" b="1" i="0" u="none" strike="noStrike" cap="none" normalizeH="0" baseline="0">
-                <a:ln>
-                  <a:noFill/>
-                </a:ln>
-                <a:solidFill>
-                  <a:srgbClr val="333333"/>
-                </a:solidFill>
-                <a:effectLst/>
-                <a:latin typeface="Times New Roman" panose="02020603050405020304" pitchFamily="18" charset="0"/>
-                <a:ea typeface="Calibri" panose="020F0502020204030204" pitchFamily="34" charset="0"/>
-                <a:cs typeface="Times New Roman" panose="02020603050405020304" pitchFamily="18" charset="0"/>
-              </a:rPr>
-              <a:t>IT008.I21</a:t>
-            </a:r>
-            <a:r>
-              <a:rPr kumimoji="0" lang="en-US" altLang="en-US" sz="1300" b="1" i="0" u="none" strike="noStrike" cap="none" normalizeH="0" baseline="0">
-                <a:ln>
-                  <a:noFill/>
-                </a:ln>
-                <a:solidFill>
-                  <a:schemeClr val="tx1"/>
-                </a:solidFill>
-                <a:effectLst/>
-                <a:latin typeface="Times New Roman" panose="02020603050405020304" pitchFamily="18" charset="0"/>
-                <a:ea typeface="Calibri" panose="020F0502020204030204" pitchFamily="34" charset="0"/>
-                <a:cs typeface="Times New Roman" panose="02020603050405020304" pitchFamily="18" charset="0"/>
-              </a:rPr>
-              <a:t>		Nh</a:t>
-            </a:r>
-            <a:r>
-              <a:rPr kumimoji="0" lang="en-US" altLang="en-US" sz="1300" b="1" i="0" u="none" strike="noStrike" cap="none" normalizeH="0" baseline="0">
-                <a:ln>
-                  <a:noFill/>
-                </a:ln>
-                <a:solidFill>
-                  <a:schemeClr val="tx1"/>
-                </a:solidFill>
-                <a:effectLst/>
-                <a:latin typeface="Calibri" panose="020F0502020204030204" pitchFamily="34" charset="0"/>
-                <a:ea typeface="Calibri" panose="020F0502020204030204" pitchFamily="34" charset="0"/>
-                <a:cs typeface="Times New Roman" panose="02020603050405020304" pitchFamily="18" charset="0"/>
-              </a:rPr>
-              <a:t>ó</a:t>
-            </a:r>
-            <a:r>
-              <a:rPr kumimoji="0" lang="en-US" altLang="en-US" sz="1300" b="1" i="0" u="none" strike="noStrike" cap="none" normalizeH="0" baseline="0">
-                <a:ln>
-                  <a:noFill/>
-                </a:ln>
-                <a:solidFill>
-                  <a:schemeClr val="tx1"/>
-                </a:solidFill>
-                <a:effectLst/>
-                <a:latin typeface="Times New Roman" panose="02020603050405020304" pitchFamily="18" charset="0"/>
-                <a:ea typeface="Calibri" panose="020F0502020204030204" pitchFamily="34" charset="0"/>
-                <a:cs typeface="Times New Roman" panose="02020603050405020304" pitchFamily="18" charset="0"/>
-              </a:rPr>
-              <a:t>m: Lan Chat</a:t>
-            </a:r>
-            <a:endParaRPr kumimoji="0" lang="en-US" altLang="en-US" sz="1800" b="0" i="0" u="none" strike="noStrike" cap="none" normalizeH="0" baseline="0">
-              <a:ln>
-                <a:noFill/>
-              </a:ln>
-              <a:solidFill>
-                <a:schemeClr val="tx1"/>
-              </a:solidFill>
-              <a:effectLst/>
-              <a:latin typeface="Arial" panose="020B0604020202020204" pitchFamily="34" charset="0"/>
-            </a:endParaRPr>
           </a:p>
         </p:txBody>
       </p:sp>
@@ -8653,8 +7818,8 @@
         </p:nvSpPr>
         <p:spPr>
           <a:xfrm>
-            <a:off x="5899308" y="1631008"/>
-            <a:ext cx="5554980" cy="1938992"/>
+            <a:off x="5623560" y="1631008"/>
+            <a:ext cx="5842158" cy="1938992"/>
           </a:xfrm>
           <a:prstGeom prst="rect">
             <a:avLst/>
@@ -8747,6 +7912,9 @@
               <a:rPr lang="en-US" sz="2400" dirty="0"/>
               <a:t>:</a:t>
             </a:r>
+          </a:p>
+          <a:p>
+            <a:endParaRPr lang="en-US" sz="2400" dirty="0"/>
           </a:p>
           <a:p>
             <a:pPr lvl="0"/>
@@ -8981,7 +8149,7 @@
         </p:nvSpPr>
         <p:spPr>
           <a:xfrm>
-            <a:off x="674370" y="2754630"/>
+            <a:off x="1299210" y="2400300"/>
             <a:ext cx="10892790" cy="1015663"/>
           </a:xfrm>
           <a:prstGeom prst="rect">
@@ -9003,45 +8171,8 @@
                   </a:schemeClr>
                 </a:solidFill>
               </a:rPr>
-              <a:t>Thank for </a:t>
-            </a:r>
-            <a:r>
-              <a:rPr lang="en-US" sz="6000" dirty="0" err="1">
-                <a:solidFill>
-                  <a:schemeClr val="tx2">
-                    <a:lumMod val="75000"/>
-                  </a:schemeClr>
-                </a:solidFill>
-              </a:rPr>
-              <a:t>waching</a:t>
-            </a:r>
-            <a:r>
-              <a:rPr lang="en-US" sz="6000" dirty="0">
-                <a:solidFill>
-                  <a:schemeClr val="tx2">
-                    <a:lumMod val="75000"/>
-                  </a:schemeClr>
-                </a:solidFill>
-              </a:rPr>
-              <a:t> and </a:t>
-            </a:r>
-            <a:r>
-              <a:rPr lang="en-US" sz="6000" dirty="0" err="1">
-                <a:solidFill>
-                  <a:schemeClr val="tx2">
-                    <a:lumMod val="75000"/>
-                  </a:schemeClr>
-                </a:solidFill>
-              </a:rPr>
-              <a:t>linstening</a:t>
-            </a:r>
-            <a:endParaRPr lang="en-US" sz="6000" dirty="0">
-              <a:solidFill>
-                <a:schemeClr val="tx2">
-                  <a:lumMod val="75000"/>
-                </a:schemeClr>
-              </a:solidFill>
-            </a:endParaRPr>
+              <a:t>Thank for watching and listening</a:t>
+            </a:r>
           </a:p>
         </p:txBody>
       </p:sp>
@@ -9584,7 +8715,7 @@
         <p:spPr>
           <a:xfrm>
             <a:off x="777240" y="937260"/>
-            <a:ext cx="10767060" cy="5601533"/>
+            <a:ext cx="10767060" cy="6032421"/>
           </a:xfrm>
           <a:prstGeom prst="rect">
             <a:avLst/>
@@ -9677,6 +8808,9 @@
               <a:rPr lang="en-US" sz="2800" dirty="0"/>
               <a:t>:</a:t>
             </a:r>
+          </a:p>
+          <a:p>
+            <a:endParaRPr lang="en-US" sz="2800" dirty="0"/>
           </a:p>
           <a:p>
             <a:pPr lvl="0"/>
@@ -11241,7 +10375,7 @@
         <p:spPr>
           <a:xfrm>
             <a:off x="1805940" y="1783080"/>
-            <a:ext cx="9315450" cy="3785652"/>
+            <a:ext cx="9315450" cy="4154984"/>
           </a:xfrm>
           <a:prstGeom prst="rect">
             <a:avLst/>
@@ -11334,6 +10468,9 @@
               <a:rPr lang="en-US" sz="2400" dirty="0"/>
               <a:t>:</a:t>
             </a:r>
+          </a:p>
+          <a:p>
+            <a:endParaRPr lang="en-US" sz="2400" dirty="0"/>
           </a:p>
           <a:p>
             <a:pPr lvl="0"/>
@@ -12327,7 +11464,7 @@
         <p:spPr>
           <a:xfrm>
             <a:off x="5795010" y="1674376"/>
-            <a:ext cx="6229349" cy="3754874"/>
+            <a:ext cx="6229349" cy="4093428"/>
           </a:xfrm>
           <a:prstGeom prst="rect">
             <a:avLst/>
@@ -12420,6 +11557,9 @@
               <a:rPr lang="en-US" sz="2200" dirty="0"/>
               <a:t>:</a:t>
             </a:r>
+          </a:p>
+          <a:p>
+            <a:endParaRPr lang="en-US" sz="2200" dirty="0"/>
           </a:p>
           <a:p>
             <a:pPr lvl="0"/>
@@ -13232,7 +12372,7 @@
         <p:spPr>
           <a:xfrm>
             <a:off x="4923473" y="1714500"/>
-            <a:ext cx="6700837" cy="2585323"/>
+            <a:ext cx="6700837" cy="2954655"/>
           </a:xfrm>
           <a:prstGeom prst="rect">
             <a:avLst/>
@@ -13325,6 +12465,9 @@
               <a:rPr lang="en-US" sz="2400" dirty="0"/>
               <a:t>:</a:t>
             </a:r>
+          </a:p>
+          <a:p>
+            <a:endParaRPr lang="en-US" sz="2400" dirty="0"/>
           </a:p>
           <a:p>
             <a:pPr lvl="0"/>
